--- a/design.pptx
+++ b/design.pptx
@@ -106,6 +106,11 @@
       </a:defRPr>
     </a:lvl9pPr>
   </p:defaultTextStyle>
+  <p:extLst>
+    <p:ext uri="{EFAFB233-063F-42B5-8137-9DF3F51BA10A}">
+      <p15:sldGuideLst xmlns:p15="http://schemas.microsoft.com/office/powerpoint/2012/main"/>
+    </p:ext>
+  </p:extLst>
 </p:presentation>
 </file>
 
@@ -256,7 +261,7 @@
           <a:p>
             <a:fld id="{16D783DD-C122-41A8-BA5D-13BB899E4635}" type="datetimeFigureOut">
               <a:rPr lang="fr-FR" smtClean="0"/>
-              <a:t>27/10/2025</a:t>
+              <a:t>29/10/2025</a:t>
             </a:fld>
             <a:endParaRPr lang="fr-FR"/>
           </a:p>
@@ -454,7 +459,7 @@
           <a:p>
             <a:fld id="{16D783DD-C122-41A8-BA5D-13BB899E4635}" type="datetimeFigureOut">
               <a:rPr lang="fr-FR" smtClean="0"/>
-              <a:t>27/10/2025</a:t>
+              <a:t>29/10/2025</a:t>
             </a:fld>
             <a:endParaRPr lang="fr-FR"/>
           </a:p>
@@ -662,7 +667,7 @@
           <a:p>
             <a:fld id="{16D783DD-C122-41A8-BA5D-13BB899E4635}" type="datetimeFigureOut">
               <a:rPr lang="fr-FR" smtClean="0"/>
-              <a:t>27/10/2025</a:t>
+              <a:t>29/10/2025</a:t>
             </a:fld>
             <a:endParaRPr lang="fr-FR"/>
           </a:p>
@@ -860,7 +865,7 @@
           <a:p>
             <a:fld id="{16D783DD-C122-41A8-BA5D-13BB899E4635}" type="datetimeFigureOut">
               <a:rPr lang="fr-FR" smtClean="0"/>
-              <a:t>27/10/2025</a:t>
+              <a:t>29/10/2025</a:t>
             </a:fld>
             <a:endParaRPr lang="fr-FR"/>
           </a:p>
@@ -1135,7 +1140,7 @@
           <a:p>
             <a:fld id="{16D783DD-C122-41A8-BA5D-13BB899E4635}" type="datetimeFigureOut">
               <a:rPr lang="fr-FR" smtClean="0"/>
-              <a:t>27/10/2025</a:t>
+              <a:t>29/10/2025</a:t>
             </a:fld>
             <a:endParaRPr lang="fr-FR"/>
           </a:p>
@@ -1400,7 +1405,7 @@
           <a:p>
             <a:fld id="{16D783DD-C122-41A8-BA5D-13BB899E4635}" type="datetimeFigureOut">
               <a:rPr lang="fr-FR" smtClean="0"/>
-              <a:t>27/10/2025</a:t>
+              <a:t>29/10/2025</a:t>
             </a:fld>
             <a:endParaRPr lang="fr-FR"/>
           </a:p>
@@ -1812,7 +1817,7 @@
           <a:p>
             <a:fld id="{16D783DD-C122-41A8-BA5D-13BB899E4635}" type="datetimeFigureOut">
               <a:rPr lang="fr-FR" smtClean="0"/>
-              <a:t>27/10/2025</a:t>
+              <a:t>29/10/2025</a:t>
             </a:fld>
             <a:endParaRPr lang="fr-FR"/>
           </a:p>
@@ -1953,7 +1958,7 @@
           <a:p>
             <a:fld id="{16D783DD-C122-41A8-BA5D-13BB899E4635}" type="datetimeFigureOut">
               <a:rPr lang="fr-FR" smtClean="0"/>
-              <a:t>27/10/2025</a:t>
+              <a:t>29/10/2025</a:t>
             </a:fld>
             <a:endParaRPr lang="fr-FR"/>
           </a:p>
@@ -2066,7 +2071,7 @@
           <a:p>
             <a:fld id="{16D783DD-C122-41A8-BA5D-13BB899E4635}" type="datetimeFigureOut">
               <a:rPr lang="fr-FR" smtClean="0"/>
-              <a:t>27/10/2025</a:t>
+              <a:t>29/10/2025</a:t>
             </a:fld>
             <a:endParaRPr lang="fr-FR"/>
           </a:p>
@@ -2377,7 +2382,7 @@
           <a:p>
             <a:fld id="{16D783DD-C122-41A8-BA5D-13BB899E4635}" type="datetimeFigureOut">
               <a:rPr lang="fr-FR" smtClean="0"/>
-              <a:t>27/10/2025</a:t>
+              <a:t>29/10/2025</a:t>
             </a:fld>
             <a:endParaRPr lang="fr-FR"/>
           </a:p>
@@ -2665,7 +2670,7 @@
           <a:p>
             <a:fld id="{16D783DD-C122-41A8-BA5D-13BB899E4635}" type="datetimeFigureOut">
               <a:rPr lang="fr-FR" smtClean="0"/>
-              <a:t>27/10/2025</a:t>
+              <a:t>29/10/2025</a:t>
             </a:fld>
             <a:endParaRPr lang="fr-FR"/>
           </a:p>
@@ -2906,7 +2911,7 @@
           <a:p>
             <a:fld id="{16D783DD-C122-41A8-BA5D-13BB899E4635}" type="datetimeFigureOut">
               <a:rPr lang="fr-FR" smtClean="0"/>
-              <a:t>27/10/2025</a:t>
+              <a:t>29/10/2025</a:t>
             </a:fld>
             <a:endParaRPr lang="fr-FR"/>
           </a:p>
@@ -3969,7 +3974,15 @@
           <a:p>
             <a:r>
               <a:rPr lang="fr-FR" dirty="0"/>
-              <a:t>En dessous de 1000px(l) * 700px(h)</a:t>
+              <a:t>En dessous </a:t>
+            </a:r>
+            <a:r>
+              <a:rPr lang="fr-FR"/>
+              <a:t>de 900px</a:t>
+            </a:r>
+            <a:r>
+              <a:rPr lang="fr-FR" dirty="0"/>
+              <a:t>(l) * 700px(h)</a:t>
             </a:r>
           </a:p>
         </p:txBody>
@@ -4300,4 +4313,10 @@
     </a:ext>
   </a:extLst>
 </a:theme>
+</file>
+
+<file path=docMetadata/LabelInfo.xml><?xml version="1.0" encoding="utf-8"?>
+<clbl:labelList xmlns:clbl="http://schemas.microsoft.com/office/2020/mipLabelMetadata">
+  <clbl:label id="{d9290083-bd2f-48a2-8ac5-09a524b17d15}" enabled="1" method="Privileged" siteId="{b9fec68c-c92d-461e-9a97-3d03a0f18b82}" contentBits="1" removed="0"/>
+</clbl:labelList>
 </file>